--- a/PPT_Activite_5_Groupe_24.pptx
+++ b/PPT_Activite_5_Groupe_24.pptx
@@ -239,7 +239,7 @@
           <a:p>
             <a:fld id="{D4A1CAB0-12B0-3C4B-BD88-152589B5F046}" type="datetimeFigureOut">
               <a:rPr lang="fr-FR" smtClean="0"/>
-              <a:t>30/09/2025</a:t>
+              <a:t>02/10/2025</a:t>
             </a:fld>
             <a:endParaRPr lang="fr-FR"/>
           </a:p>
@@ -397,7 +397,7 @@
           <a:p>
             <a:fld id="{28D211B2-5D3E-6746-B750-8CF746681FCF}" type="slidenum">
               <a:rPr lang="fr-FR" smtClean="0"/>
-              <a:t>‹#›</a:t>
+              <a:t>‹N°›</a:t>
             </a:fld>
             <a:endParaRPr lang="fr-FR"/>
           </a:p>
@@ -750,7 +750,7 @@
           <a:p>
             <a:fld id="{9184DA70-C731-4C70-880D-CCD4705E623C}" type="datetime1">
               <a:rPr lang="en-US" smtClean="0"/>
-              <a:t>9/30/2025</a:t>
+              <a:t>10/2/2025</a:t>
             </a:fld>
             <a:endParaRPr lang="en-US" dirty="0"/>
           </a:p>
@@ -804,7 +804,7 @@
           <a:p>
             <a:fld id="{3A98EE3D-8CD1-4C3F-BD1C-C98C9596463C}" type="slidenum">
               <a:rPr lang="en-US" smtClean="0"/>
-              <a:t>‹#›</a:t>
+              <a:t>‹N°›</a:t>
             </a:fld>
             <a:endParaRPr lang="en-US" dirty="0"/>
           </a:p>
@@ -938,7 +938,7 @@
           <a:p>
             <a:fld id="{B612A279-0833-481D-8C56-F67FD0AC6C50}" type="datetime1">
               <a:rPr lang="en-US" smtClean="0"/>
-              <a:t>9/30/2025</a:t>
+              <a:t>10/2/2025</a:t>
             </a:fld>
             <a:endParaRPr lang="en-US" dirty="0"/>
           </a:p>
@@ -992,7 +992,7 @@
           <a:p>
             <a:fld id="{3A98EE3D-8CD1-4C3F-BD1C-C98C9596463C}" type="slidenum">
               <a:rPr lang="en-US" smtClean="0"/>
-              <a:t>‹#›</a:t>
+              <a:t>‹N°›</a:t>
             </a:fld>
             <a:endParaRPr lang="en-US" dirty="0"/>
           </a:p>
@@ -1180,7 +1180,7 @@
           <a:p>
             <a:fld id="{6587DA83-5663-4C9C-B9AA-0B40A3DAFF81}" type="datetime1">
               <a:rPr lang="en-US" smtClean="0"/>
-              <a:t>9/30/2025</a:t>
+              <a:t>10/2/2025</a:t>
             </a:fld>
             <a:endParaRPr lang="en-US" dirty="0"/>
           </a:p>
@@ -1234,7 +1234,7 @@
           <a:p>
             <a:fld id="{3A98EE3D-8CD1-4C3F-BD1C-C98C9596463C}" type="slidenum">
               <a:rPr lang="en-US" smtClean="0"/>
-              <a:t>‹#›</a:t>
+              <a:t>‹N°›</a:t>
             </a:fld>
             <a:endParaRPr lang="en-US" dirty="0"/>
           </a:p>
@@ -1368,7 +1368,7 @@
           <a:p>
             <a:fld id="{4BE1D723-8F53-4F53-90B0-1982A396982E}" type="datetime1">
               <a:rPr lang="en-US" smtClean="0"/>
-              <a:t>9/30/2025</a:t>
+              <a:t>10/2/2025</a:t>
             </a:fld>
             <a:endParaRPr lang="en-US" dirty="0"/>
           </a:p>
@@ -1422,7 +1422,7 @@
           <a:p>
             <a:fld id="{3A98EE3D-8CD1-4C3F-BD1C-C98C9596463C}" type="slidenum">
               <a:rPr lang="en-US" smtClean="0"/>
-              <a:t>‹#›</a:t>
+              <a:t>‹N°›</a:t>
             </a:fld>
             <a:endParaRPr lang="en-US" dirty="0"/>
           </a:p>
@@ -1748,7 +1748,7 @@
           <a:p>
             <a:fld id="{97669AF7-7BEB-44E4-9852-375E34362B5B}" type="datetime1">
               <a:rPr lang="en-US" smtClean="0"/>
-              <a:t>9/30/2025</a:t>
+              <a:t>10/2/2025</a:t>
             </a:fld>
             <a:endParaRPr lang="en-US" dirty="0"/>
           </a:p>
@@ -1802,7 +1802,7 @@
           <a:p>
             <a:fld id="{3A98EE3D-8CD1-4C3F-BD1C-C98C9596463C}" type="slidenum">
               <a:rPr lang="en-US" smtClean="0"/>
-              <a:t>‹#›</a:t>
+              <a:t>‹N°›</a:t>
             </a:fld>
             <a:endParaRPr lang="en-US" dirty="0"/>
           </a:p>
@@ -2003,7 +2003,7 @@
           <a:p>
             <a:fld id="{BAAAC38D-0552-4C82-B593-E6124DFADBE2}" type="datetime1">
               <a:rPr lang="en-US" smtClean="0"/>
-              <a:t>9/30/2025</a:t>
+              <a:t>10/2/2025</a:t>
             </a:fld>
             <a:endParaRPr lang="en-US" dirty="0"/>
           </a:p>
@@ -2057,7 +2057,7 @@
           <a:p>
             <a:fld id="{3A98EE3D-8CD1-4C3F-BD1C-C98C9596463C}" type="slidenum">
               <a:rPr lang="en-US" smtClean="0"/>
-              <a:t>‹#›</a:t>
+              <a:t>‹N°›</a:t>
             </a:fld>
             <a:endParaRPr lang="en-US" dirty="0"/>
           </a:p>
@@ -2400,7 +2400,7 @@
           <a:p>
             <a:fld id="{D9DF0F1C-5577-4ACB-BB62-DF8F3C494C7E}" type="datetime1">
               <a:rPr lang="en-US" smtClean="0"/>
-              <a:t>9/30/2025</a:t>
+              <a:t>10/2/2025</a:t>
             </a:fld>
             <a:endParaRPr lang="en-US" dirty="0"/>
           </a:p>
@@ -2454,7 +2454,7 @@
           <a:p>
             <a:fld id="{3A98EE3D-8CD1-4C3F-BD1C-C98C9596463C}" type="slidenum">
               <a:rPr lang="en-US" smtClean="0"/>
-              <a:t>‹#›</a:t>
+              <a:t>‹N°›</a:t>
             </a:fld>
             <a:endParaRPr lang="en-US" dirty="0"/>
           </a:p>
@@ -2536,7 +2536,7 @@
           <a:p>
             <a:fld id="{1775B394-D9F9-4F0C-B15D-605F45CB9E9F}" type="datetime1">
               <a:rPr lang="en-US" smtClean="0"/>
-              <a:t>9/30/2025</a:t>
+              <a:t>10/2/2025</a:t>
             </a:fld>
             <a:endParaRPr lang="en-US" dirty="0"/>
           </a:p>
@@ -2590,7 +2590,7 @@
           <a:p>
             <a:fld id="{3A98EE3D-8CD1-4C3F-BD1C-C98C9596463C}" type="slidenum">
               <a:rPr lang="en-US" smtClean="0"/>
-              <a:t>‹#›</a:t>
+              <a:t>‹N°›</a:t>
             </a:fld>
             <a:endParaRPr lang="en-US" dirty="0"/>
           </a:p>
@@ -2693,7 +2693,7 @@
           <a:p>
             <a:fld id="{39667345-2558-425A-8533-9BFDBCE15005}" type="datetime1">
               <a:rPr lang="en-US" smtClean="0"/>
-              <a:t>9/30/2025</a:t>
+              <a:t>10/2/2025</a:t>
             </a:fld>
             <a:endParaRPr lang="en-US" dirty="0"/>
           </a:p>
@@ -2747,7 +2747,7 @@
           <a:p>
             <a:fld id="{3A98EE3D-8CD1-4C3F-BD1C-C98C9596463C}" type="slidenum">
               <a:rPr lang="en-US" smtClean="0"/>
-              <a:t>‹#›</a:t>
+              <a:t>‹N°›</a:t>
             </a:fld>
             <a:endParaRPr lang="en-US" dirty="0"/>
           </a:p>
@@ -3187,7 +3187,7 @@
           <a:p>
             <a:fld id="{92BEA474-078D-4E9B-9B14-09A87B19DC46}" type="datetime1">
               <a:rPr lang="en-US" smtClean="0"/>
-              <a:t>9/30/2025</a:t>
+              <a:t>10/2/2025</a:t>
             </a:fld>
             <a:endParaRPr lang="en-US" dirty="0"/>
           </a:p>
@@ -3251,7 +3251,7 @@
             <a:fld id="{3A98EE3D-8CD1-4C3F-BD1C-C98C9596463C}" type="slidenum">
               <a:rPr lang="en-US" smtClean="0"/>
               <a:pPr/>
-              <a:t>‹#›</a:t>
+              <a:t>‹N°›</a:t>
             </a:fld>
             <a:endParaRPr lang="en-US" dirty="0"/>
           </a:p>
@@ -3537,7 +3537,7 @@
           <a:p>
             <a:fld id="{4907D986-8816-4272-A432-0437A28A9828}" type="datetime1">
               <a:rPr lang="en-US" smtClean="0"/>
-              <a:t>9/30/2025</a:t>
+              <a:t>10/2/2025</a:t>
             </a:fld>
             <a:endParaRPr lang="en-US" dirty="0"/>
           </a:p>
@@ -3585,7 +3585,7 @@
           <a:p>
             <a:fld id="{3A98EE3D-8CD1-4C3F-BD1C-C98C9596463C}" type="slidenum">
               <a:rPr lang="en-US" smtClean="0"/>
-              <a:t>‹#›</a:t>
+              <a:t>‹N°›</a:t>
             </a:fld>
             <a:endParaRPr lang="en-US" dirty="0"/>
           </a:p>
@@ -3808,7 +3808,7 @@
           <a:p>
             <a:fld id="{62D6E202-B606-4609-B914-27C9371A1F6D}" type="datetime1">
               <a:rPr lang="en-US" smtClean="0"/>
-              <a:t>9/30/2025</a:t>
+              <a:t>10/2/2025</a:t>
             </a:fld>
             <a:endParaRPr lang="en-US" dirty="0"/>
           </a:p>
@@ -3882,7 +3882,7 @@
           <a:p>
             <a:fld id="{3A98EE3D-8CD1-4C3F-BD1C-C98C9596463C}" type="slidenum">
               <a:rPr lang="en-US" smtClean="0"/>
-              <a:t>‹#›</a:t>
+              <a:t>‹N°›</a:t>
             </a:fld>
             <a:endParaRPr lang="en-US" dirty="0"/>
           </a:p>
@@ -6136,14 +6136,14 @@
           <p:nvPr>
             <p:extLst>
               <p:ext uri="{D42A27DB-BD31-4B8C-83A1-F6EECF244321}">
-                <p14:modId xmlns:p14="http://schemas.microsoft.com/office/powerpoint/2010/main" val="2604238058"/>
+                <p14:modId xmlns:p14="http://schemas.microsoft.com/office/powerpoint/2010/main" val="2404013271"/>
               </p:ext>
             </p:extLst>
           </p:nvPr>
         </p:nvGraphicFramePr>
         <p:xfrm>
           <a:off x="3941376" y="775981"/>
-          <a:ext cx="8071948" cy="5275136"/>
+          <a:ext cx="8071948" cy="5450043"/>
         </p:xfrm>
         <a:graphic>
           <a:graphicData uri="http://schemas.openxmlformats.org/drawingml/2006/table">
@@ -6597,7 +6597,23 @@
                       </a:pPr>
                       <a:r>
                         <a:rPr lang="fr-FR" dirty="0"/>
-                        <a:t>Moyenne car il nécessite plusieurs plugins différents</a:t>
+                        <a:t>Moyenne car il nécessite plusieurs plugins différents (</a:t>
+                      </a:r>
+                      <a:r>
+                        <a:rPr lang="fr-FR" dirty="0" err="1"/>
+                        <a:t>Elementor</a:t>
+                      </a:r>
+                      <a:r>
+                        <a:rPr lang="fr-FR" dirty="0"/>
+                        <a:t>, </a:t>
+                      </a:r>
+                      <a:r>
+                        <a:rPr lang="fr-FR" dirty="0" err="1"/>
+                        <a:t>Hostinger</a:t>
+                      </a:r>
+                      <a:r>
+                        <a:rPr lang="fr-FR" dirty="0"/>
+                        <a:t>)</a:t>
                       </a:r>
                     </a:p>
                   </a:txBody>
@@ -6662,15 +6678,7 @@
                       </a:pPr>
                       <a:r>
                         <a:rPr lang="fr-FR" dirty="0"/>
-                        <a:t>Bonne car il y'a une </a:t>
-                      </a:r>
-                      <a:r>
-                        <a:rPr lang="fr-FR" dirty="0" err="1"/>
-                        <a:t>sépartion</a:t>
-                      </a:r>
-                      <a:r>
-                        <a:rPr lang="fr-FR" dirty="0"/>
-                        <a:t> du contenu et des </a:t>
+                        <a:t>Bonne car il y'a une séparation du contenu et des </a:t>
                       </a:r>
                       <a:r>
                         <a:rPr lang="fr-FR" dirty="0" err="1"/>
@@ -7377,7 +7385,7 @@
           <p:nvPr>
             <p:extLst>
               <p:ext uri="{D42A27DB-BD31-4B8C-83A1-F6EECF244321}">
-                <p14:modId xmlns:p14="http://schemas.microsoft.com/office/powerpoint/2010/main" val="3454603493"/>
+                <p14:modId xmlns:p14="http://schemas.microsoft.com/office/powerpoint/2010/main" val="2160680534"/>
               </p:ext>
             </p:extLst>
           </p:nvPr>
@@ -8023,7 +8031,7 @@
                     <a:p>
                       <a:r>
                         <a:rPr lang="fr-FR" dirty="0"/>
-                        <a:t>Il dépend du développeur et de ses compétences, car c'est lui code directement le site</a:t>
+                        <a:t>Il dépend du développeur et de ses compétences, car c'est lui qui code directement le site</a:t>
                       </a:r>
                     </a:p>
                     <a:p>
@@ -8398,7 +8406,7 @@
         <p:spPr>
           <a:xfrm>
             <a:off x="4128598" y="110395"/>
-            <a:ext cx="7880592" cy="12280285"/>
+            <a:ext cx="7880592" cy="12557284"/>
           </a:xfrm>
           <a:prstGeom prst="rect">
             <a:avLst/>
@@ -8467,7 +8475,11 @@
             </a:pPr>
             <a:r>
               <a:rPr lang="fr-FR" b="1" dirty="0"/>
-              <a:t>Lien du back office du site :</a:t>
+              <a:t>Lien du back office du site : </a:t>
+            </a:r>
+            <a:r>
+              <a:rPr lang="fr-FR" dirty="0"/>
+              <a:t>https://github.com/Mohamed-AmineHaddad/Ressourcerie/tree/main</a:t>
             </a:r>
           </a:p>
           <a:p>
